--- a/ppt 16-9/1606.不再回头看.pptx
+++ b/ppt 16-9/1606.不再回头看.pptx
@@ -129,7 +129,7 @@
           <p:cNvPr id="2" name="标题 1">
             <a:extLst>
               <a:ext uri="{FF2B5EF4-FFF2-40B4-BE49-F238E27FC236}">
-                <a16:creationId xmlns:a16="http://schemas.microsoft.com/office/drawing/2014/main" id="{B6251C38-EE95-CEEF-0A53-9F20850E29DF}"/>
+                <a16:creationId xmlns:a16="http://schemas.microsoft.com/office/drawing/2014/main" id="{6DE15EA3-96C6-00D8-E327-330B38DA4532}"/>
               </a:ext>
             </a:extLst>
           </p:cNvPr>
@@ -166,7 +166,7 @@
           <p:cNvPr id="3" name="副标题 2">
             <a:extLst>
               <a:ext uri="{FF2B5EF4-FFF2-40B4-BE49-F238E27FC236}">
-                <a16:creationId xmlns:a16="http://schemas.microsoft.com/office/drawing/2014/main" id="{917FFB62-BFD8-F573-29A8-D95F51DA2CAF}"/>
+                <a16:creationId xmlns:a16="http://schemas.microsoft.com/office/drawing/2014/main" id="{26CCA28B-54D8-C417-6CE5-D8AD0C5D5EBA}"/>
               </a:ext>
             </a:extLst>
           </p:cNvPr>
@@ -236,7 +236,7 @@
           <p:cNvPr id="4" name="日期占位符 3">
             <a:extLst>
               <a:ext uri="{FF2B5EF4-FFF2-40B4-BE49-F238E27FC236}">
-                <a16:creationId xmlns:a16="http://schemas.microsoft.com/office/drawing/2014/main" id="{EF10B148-1062-E054-46CF-D71A2B3DAB4D}"/>
+                <a16:creationId xmlns:a16="http://schemas.microsoft.com/office/drawing/2014/main" id="{EDC5A5E6-787F-7BEA-F1DF-07EE975AF80A}"/>
               </a:ext>
             </a:extLst>
           </p:cNvPr>
@@ -252,7 +252,7 @@
           <a:bodyPr/>
           <a:lstStyle/>
           <a:p>
-            <a:fld id="{89CFC95F-15C8-48EB-ABCE-704D6A47A2AD}" type="datetimeFigureOut">
+            <a:fld id="{49FCC876-BDC0-4790-883E-80E36E944462}" type="datetimeFigureOut">
               <a:rPr lang="zh-CN" altLang="en-US" smtClean="0"/>
               <a:t>2024/3/10</a:t>
             </a:fld>
@@ -265,7 +265,7 @@
           <p:cNvPr id="5" name="页脚占位符 4">
             <a:extLst>
               <a:ext uri="{FF2B5EF4-FFF2-40B4-BE49-F238E27FC236}">
-                <a16:creationId xmlns:a16="http://schemas.microsoft.com/office/drawing/2014/main" id="{2320EF3C-E182-E151-C641-4D441B4BA7F3}"/>
+                <a16:creationId xmlns:a16="http://schemas.microsoft.com/office/drawing/2014/main" id="{58ACF7FA-6841-DD29-3B0B-25939625EF43}"/>
               </a:ext>
             </a:extLst>
           </p:cNvPr>
@@ -290,7 +290,7 @@
           <p:cNvPr id="6" name="灯片编号占位符 5">
             <a:extLst>
               <a:ext uri="{FF2B5EF4-FFF2-40B4-BE49-F238E27FC236}">
-                <a16:creationId xmlns:a16="http://schemas.microsoft.com/office/drawing/2014/main" id="{1E884475-048E-40B3-53F8-283B27D4DF54}"/>
+                <a16:creationId xmlns:a16="http://schemas.microsoft.com/office/drawing/2014/main" id="{B7778A07-B956-F4DC-5F39-BA34772523A3}"/>
               </a:ext>
             </a:extLst>
           </p:cNvPr>
@@ -306,7 +306,7 @@
           <a:bodyPr/>
           <a:lstStyle/>
           <a:p>
-            <a:fld id="{386F1E28-DDCF-4041-96B9-03ECB5C6A0BE}" type="slidenum">
+            <a:fld id="{58387EF0-E4F7-4BEB-A513-8E75D1164EF9}" type="slidenum">
               <a:rPr lang="zh-CN" altLang="en-US" smtClean="0"/>
               <a:t>‹#›</a:t>
             </a:fld>
@@ -317,7 +317,7 @@
     </p:spTree>
     <p:extLst>
       <p:ext uri="{BB962C8B-B14F-4D97-AF65-F5344CB8AC3E}">
-        <p14:creationId xmlns:p14="http://schemas.microsoft.com/office/powerpoint/2010/main" val="1269457147"/>
+        <p14:creationId xmlns:p14="http://schemas.microsoft.com/office/powerpoint/2010/main" val="4122161206"/>
       </p:ext>
     </p:extLst>
   </p:cSld>
@@ -349,7 +349,7 @@
           <p:cNvPr id="2" name="标题 1">
             <a:extLst>
               <a:ext uri="{FF2B5EF4-FFF2-40B4-BE49-F238E27FC236}">
-                <a16:creationId xmlns:a16="http://schemas.microsoft.com/office/drawing/2014/main" id="{0543AD25-649F-1482-4588-199B2A868033}"/>
+                <a16:creationId xmlns:a16="http://schemas.microsoft.com/office/drawing/2014/main" id="{696D94F2-9FD7-7A61-9ED4-FAA0686EF77D}"/>
               </a:ext>
             </a:extLst>
           </p:cNvPr>
@@ -377,7 +377,7 @@
           <p:cNvPr id="3" name="竖排文字占位符 2">
             <a:extLst>
               <a:ext uri="{FF2B5EF4-FFF2-40B4-BE49-F238E27FC236}">
-                <a16:creationId xmlns:a16="http://schemas.microsoft.com/office/drawing/2014/main" id="{C75DF9F7-23EC-9269-2629-72B58459EADA}"/>
+                <a16:creationId xmlns:a16="http://schemas.microsoft.com/office/drawing/2014/main" id="{70F95FF8-9CD4-3B55-143E-0B44E232393C}"/>
               </a:ext>
             </a:extLst>
           </p:cNvPr>
@@ -434,7 +434,7 @@
           <p:cNvPr id="4" name="日期占位符 3">
             <a:extLst>
               <a:ext uri="{FF2B5EF4-FFF2-40B4-BE49-F238E27FC236}">
-                <a16:creationId xmlns:a16="http://schemas.microsoft.com/office/drawing/2014/main" id="{1232FE09-DC27-429A-DAF1-FE80206FC8C8}"/>
+                <a16:creationId xmlns:a16="http://schemas.microsoft.com/office/drawing/2014/main" id="{12291B9C-2579-E0F4-E088-0D16FBA4C0B4}"/>
               </a:ext>
             </a:extLst>
           </p:cNvPr>
@@ -450,7 +450,7 @@
           <a:bodyPr/>
           <a:lstStyle/>
           <a:p>
-            <a:fld id="{89CFC95F-15C8-48EB-ABCE-704D6A47A2AD}" type="datetimeFigureOut">
+            <a:fld id="{49FCC876-BDC0-4790-883E-80E36E944462}" type="datetimeFigureOut">
               <a:rPr lang="zh-CN" altLang="en-US" smtClean="0"/>
               <a:t>2024/3/10</a:t>
             </a:fld>
@@ -463,7 +463,7 @@
           <p:cNvPr id="5" name="页脚占位符 4">
             <a:extLst>
               <a:ext uri="{FF2B5EF4-FFF2-40B4-BE49-F238E27FC236}">
-                <a16:creationId xmlns:a16="http://schemas.microsoft.com/office/drawing/2014/main" id="{C1F541D4-F874-15A9-542C-12BCED7BE5FB}"/>
+                <a16:creationId xmlns:a16="http://schemas.microsoft.com/office/drawing/2014/main" id="{A11E36BD-6613-9013-B7A6-0D0944907007}"/>
               </a:ext>
             </a:extLst>
           </p:cNvPr>
@@ -488,7 +488,7 @@
           <p:cNvPr id="6" name="灯片编号占位符 5">
             <a:extLst>
               <a:ext uri="{FF2B5EF4-FFF2-40B4-BE49-F238E27FC236}">
-                <a16:creationId xmlns:a16="http://schemas.microsoft.com/office/drawing/2014/main" id="{C99EF5A6-0E4E-BCBB-57DD-CDBFDF5BD726}"/>
+                <a16:creationId xmlns:a16="http://schemas.microsoft.com/office/drawing/2014/main" id="{688FA649-1ABE-ECA3-E193-D638C6BCCCE1}"/>
               </a:ext>
             </a:extLst>
           </p:cNvPr>
@@ -504,7 +504,7 @@
           <a:bodyPr/>
           <a:lstStyle/>
           <a:p>
-            <a:fld id="{386F1E28-DDCF-4041-96B9-03ECB5C6A0BE}" type="slidenum">
+            <a:fld id="{58387EF0-E4F7-4BEB-A513-8E75D1164EF9}" type="slidenum">
               <a:rPr lang="zh-CN" altLang="en-US" smtClean="0"/>
               <a:t>‹#›</a:t>
             </a:fld>
@@ -515,7 +515,7 @@
     </p:spTree>
     <p:extLst>
       <p:ext uri="{BB962C8B-B14F-4D97-AF65-F5344CB8AC3E}">
-        <p14:creationId xmlns:p14="http://schemas.microsoft.com/office/powerpoint/2010/main" val="1878089000"/>
+        <p14:creationId xmlns:p14="http://schemas.microsoft.com/office/powerpoint/2010/main" val="2867232808"/>
       </p:ext>
     </p:extLst>
   </p:cSld>
@@ -547,7 +547,7 @@
           <p:cNvPr id="2" name="竖排标题 1">
             <a:extLst>
               <a:ext uri="{FF2B5EF4-FFF2-40B4-BE49-F238E27FC236}">
-                <a16:creationId xmlns:a16="http://schemas.microsoft.com/office/drawing/2014/main" id="{0C0A16BC-2DBE-5ACD-AACD-74B2542E5DBA}"/>
+                <a16:creationId xmlns:a16="http://schemas.microsoft.com/office/drawing/2014/main" id="{1A892351-8022-83B8-AE42-AE5FF7D617C7}"/>
               </a:ext>
             </a:extLst>
           </p:cNvPr>
@@ -580,7 +580,7 @@
           <p:cNvPr id="3" name="竖排文字占位符 2">
             <a:extLst>
               <a:ext uri="{FF2B5EF4-FFF2-40B4-BE49-F238E27FC236}">
-                <a16:creationId xmlns:a16="http://schemas.microsoft.com/office/drawing/2014/main" id="{B770D181-562F-4B88-9F82-ED137BC6BE58}"/>
+                <a16:creationId xmlns:a16="http://schemas.microsoft.com/office/drawing/2014/main" id="{68E937B2-A471-D3AE-0F69-72797230F759}"/>
               </a:ext>
             </a:extLst>
           </p:cNvPr>
@@ -642,7 +642,7 @@
           <p:cNvPr id="4" name="日期占位符 3">
             <a:extLst>
               <a:ext uri="{FF2B5EF4-FFF2-40B4-BE49-F238E27FC236}">
-                <a16:creationId xmlns:a16="http://schemas.microsoft.com/office/drawing/2014/main" id="{81698D39-A8C2-64FF-E257-F6F5DE70ED49}"/>
+                <a16:creationId xmlns:a16="http://schemas.microsoft.com/office/drawing/2014/main" id="{3C78FFA8-8EB1-95C8-0A81-DBCCCA2EC2C4}"/>
               </a:ext>
             </a:extLst>
           </p:cNvPr>
@@ -658,7 +658,7 @@
           <a:bodyPr/>
           <a:lstStyle/>
           <a:p>
-            <a:fld id="{89CFC95F-15C8-48EB-ABCE-704D6A47A2AD}" type="datetimeFigureOut">
+            <a:fld id="{49FCC876-BDC0-4790-883E-80E36E944462}" type="datetimeFigureOut">
               <a:rPr lang="zh-CN" altLang="en-US" smtClean="0"/>
               <a:t>2024/3/10</a:t>
             </a:fld>
@@ -671,7 +671,7 @@
           <p:cNvPr id="5" name="页脚占位符 4">
             <a:extLst>
               <a:ext uri="{FF2B5EF4-FFF2-40B4-BE49-F238E27FC236}">
-                <a16:creationId xmlns:a16="http://schemas.microsoft.com/office/drawing/2014/main" id="{BC7CA38F-300E-F6ED-96DC-683BB8769214}"/>
+                <a16:creationId xmlns:a16="http://schemas.microsoft.com/office/drawing/2014/main" id="{10FB2CDE-7EFF-AFDD-A91F-527ACB6843CF}"/>
               </a:ext>
             </a:extLst>
           </p:cNvPr>
@@ -696,7 +696,7 @@
           <p:cNvPr id="6" name="灯片编号占位符 5">
             <a:extLst>
               <a:ext uri="{FF2B5EF4-FFF2-40B4-BE49-F238E27FC236}">
-                <a16:creationId xmlns:a16="http://schemas.microsoft.com/office/drawing/2014/main" id="{A33DE365-1337-F5AF-29B6-27C905C26DA3}"/>
+                <a16:creationId xmlns:a16="http://schemas.microsoft.com/office/drawing/2014/main" id="{CB672BC3-A477-8FC0-63D1-B7B4FB6989F7}"/>
               </a:ext>
             </a:extLst>
           </p:cNvPr>
@@ -712,7 +712,7 @@
           <a:bodyPr/>
           <a:lstStyle/>
           <a:p>
-            <a:fld id="{386F1E28-DDCF-4041-96B9-03ECB5C6A0BE}" type="slidenum">
+            <a:fld id="{58387EF0-E4F7-4BEB-A513-8E75D1164EF9}" type="slidenum">
               <a:rPr lang="zh-CN" altLang="en-US" smtClean="0"/>
               <a:t>‹#›</a:t>
             </a:fld>
@@ -723,7 +723,7 @@
     </p:spTree>
     <p:extLst>
       <p:ext uri="{BB962C8B-B14F-4D97-AF65-F5344CB8AC3E}">
-        <p14:creationId xmlns:p14="http://schemas.microsoft.com/office/powerpoint/2010/main" val="547228477"/>
+        <p14:creationId xmlns:p14="http://schemas.microsoft.com/office/powerpoint/2010/main" val="3669692372"/>
       </p:ext>
     </p:extLst>
   </p:cSld>
@@ -755,7 +755,7 @@
           <p:cNvPr id="2" name="标题 1">
             <a:extLst>
               <a:ext uri="{FF2B5EF4-FFF2-40B4-BE49-F238E27FC236}">
-                <a16:creationId xmlns:a16="http://schemas.microsoft.com/office/drawing/2014/main" id="{D7EB04B2-D3A5-BBBF-31F3-05282D432F03}"/>
+                <a16:creationId xmlns:a16="http://schemas.microsoft.com/office/drawing/2014/main" id="{26568AC0-E741-A89A-85A6-5C97C7E475AB}"/>
               </a:ext>
             </a:extLst>
           </p:cNvPr>
@@ -783,7 +783,7 @@
           <p:cNvPr id="3" name="内容占位符 2">
             <a:extLst>
               <a:ext uri="{FF2B5EF4-FFF2-40B4-BE49-F238E27FC236}">
-                <a16:creationId xmlns:a16="http://schemas.microsoft.com/office/drawing/2014/main" id="{6C3697E7-CE79-77BB-8EDC-281D700C59FC}"/>
+                <a16:creationId xmlns:a16="http://schemas.microsoft.com/office/drawing/2014/main" id="{697195AF-EA80-D5CF-6CD9-81E5DA3AB05B}"/>
               </a:ext>
             </a:extLst>
           </p:cNvPr>
@@ -840,7 +840,7 @@
           <p:cNvPr id="4" name="日期占位符 3">
             <a:extLst>
               <a:ext uri="{FF2B5EF4-FFF2-40B4-BE49-F238E27FC236}">
-                <a16:creationId xmlns:a16="http://schemas.microsoft.com/office/drawing/2014/main" id="{2FDF7248-B279-1FCB-B948-72A70C4D8D49}"/>
+                <a16:creationId xmlns:a16="http://schemas.microsoft.com/office/drawing/2014/main" id="{60B97AD5-8237-982A-7060-8FE6866B1046}"/>
               </a:ext>
             </a:extLst>
           </p:cNvPr>
@@ -856,7 +856,7 @@
           <a:bodyPr/>
           <a:lstStyle/>
           <a:p>
-            <a:fld id="{89CFC95F-15C8-48EB-ABCE-704D6A47A2AD}" type="datetimeFigureOut">
+            <a:fld id="{49FCC876-BDC0-4790-883E-80E36E944462}" type="datetimeFigureOut">
               <a:rPr lang="zh-CN" altLang="en-US" smtClean="0"/>
               <a:t>2024/3/10</a:t>
             </a:fld>
@@ -869,7 +869,7 @@
           <p:cNvPr id="5" name="页脚占位符 4">
             <a:extLst>
               <a:ext uri="{FF2B5EF4-FFF2-40B4-BE49-F238E27FC236}">
-                <a16:creationId xmlns:a16="http://schemas.microsoft.com/office/drawing/2014/main" id="{8317D067-8001-F5E5-7EE2-CB3352CCE14A}"/>
+                <a16:creationId xmlns:a16="http://schemas.microsoft.com/office/drawing/2014/main" id="{737C40F6-EE3E-7CE3-F0E3-B5D0564B7839}"/>
               </a:ext>
             </a:extLst>
           </p:cNvPr>
@@ -894,7 +894,7 @@
           <p:cNvPr id="6" name="灯片编号占位符 5">
             <a:extLst>
               <a:ext uri="{FF2B5EF4-FFF2-40B4-BE49-F238E27FC236}">
-                <a16:creationId xmlns:a16="http://schemas.microsoft.com/office/drawing/2014/main" id="{49C488B6-9199-BF00-0EEC-64216D726B02}"/>
+                <a16:creationId xmlns:a16="http://schemas.microsoft.com/office/drawing/2014/main" id="{FFA2BC51-165A-18C1-9B22-6BE921A576EC}"/>
               </a:ext>
             </a:extLst>
           </p:cNvPr>
@@ -910,7 +910,7 @@
           <a:bodyPr/>
           <a:lstStyle/>
           <a:p>
-            <a:fld id="{386F1E28-DDCF-4041-96B9-03ECB5C6A0BE}" type="slidenum">
+            <a:fld id="{58387EF0-E4F7-4BEB-A513-8E75D1164EF9}" type="slidenum">
               <a:rPr lang="zh-CN" altLang="en-US" smtClean="0"/>
               <a:t>‹#›</a:t>
             </a:fld>
@@ -921,7 +921,7 @@
     </p:spTree>
     <p:extLst>
       <p:ext uri="{BB962C8B-B14F-4D97-AF65-F5344CB8AC3E}">
-        <p14:creationId xmlns:p14="http://schemas.microsoft.com/office/powerpoint/2010/main" val="2058172661"/>
+        <p14:creationId xmlns:p14="http://schemas.microsoft.com/office/powerpoint/2010/main" val="3113896858"/>
       </p:ext>
     </p:extLst>
   </p:cSld>
@@ -953,7 +953,7 @@
           <p:cNvPr id="2" name="标题 1">
             <a:extLst>
               <a:ext uri="{FF2B5EF4-FFF2-40B4-BE49-F238E27FC236}">
-                <a16:creationId xmlns:a16="http://schemas.microsoft.com/office/drawing/2014/main" id="{08E82038-7384-AD58-75E5-C51D8E5BE594}"/>
+                <a16:creationId xmlns:a16="http://schemas.microsoft.com/office/drawing/2014/main" id="{1A0DEE76-BB10-273F-919A-94088A178DC8}"/>
               </a:ext>
             </a:extLst>
           </p:cNvPr>
@@ -990,7 +990,7 @@
           <p:cNvPr id="3" name="文本占位符 2">
             <a:extLst>
               <a:ext uri="{FF2B5EF4-FFF2-40B4-BE49-F238E27FC236}">
-                <a16:creationId xmlns:a16="http://schemas.microsoft.com/office/drawing/2014/main" id="{181FCD70-77E2-BD39-8C88-6A154194D60C}"/>
+                <a16:creationId xmlns:a16="http://schemas.microsoft.com/office/drawing/2014/main" id="{49A73FD0-CD42-6BDE-8C1F-9579CFFB94CE}"/>
               </a:ext>
             </a:extLst>
           </p:cNvPr>
@@ -1115,7 +1115,7 @@
           <p:cNvPr id="4" name="日期占位符 3">
             <a:extLst>
               <a:ext uri="{FF2B5EF4-FFF2-40B4-BE49-F238E27FC236}">
-                <a16:creationId xmlns:a16="http://schemas.microsoft.com/office/drawing/2014/main" id="{61E8E429-2E11-F88E-51FD-A1281639B41A}"/>
+                <a16:creationId xmlns:a16="http://schemas.microsoft.com/office/drawing/2014/main" id="{71DEF684-4846-683F-D900-B36064C7FB42}"/>
               </a:ext>
             </a:extLst>
           </p:cNvPr>
@@ -1131,7 +1131,7 @@
           <a:bodyPr/>
           <a:lstStyle/>
           <a:p>
-            <a:fld id="{89CFC95F-15C8-48EB-ABCE-704D6A47A2AD}" type="datetimeFigureOut">
+            <a:fld id="{49FCC876-BDC0-4790-883E-80E36E944462}" type="datetimeFigureOut">
               <a:rPr lang="zh-CN" altLang="en-US" smtClean="0"/>
               <a:t>2024/3/10</a:t>
             </a:fld>
@@ -1144,7 +1144,7 @@
           <p:cNvPr id="5" name="页脚占位符 4">
             <a:extLst>
               <a:ext uri="{FF2B5EF4-FFF2-40B4-BE49-F238E27FC236}">
-                <a16:creationId xmlns:a16="http://schemas.microsoft.com/office/drawing/2014/main" id="{2630DDC0-D32D-2BDE-2F57-49E74D03ECB0}"/>
+                <a16:creationId xmlns:a16="http://schemas.microsoft.com/office/drawing/2014/main" id="{9E1E569D-CCF8-E930-EB30-89BA52792A07}"/>
               </a:ext>
             </a:extLst>
           </p:cNvPr>
@@ -1169,7 +1169,7 @@
           <p:cNvPr id="6" name="灯片编号占位符 5">
             <a:extLst>
               <a:ext uri="{FF2B5EF4-FFF2-40B4-BE49-F238E27FC236}">
-                <a16:creationId xmlns:a16="http://schemas.microsoft.com/office/drawing/2014/main" id="{FDB53D49-4BCC-2CDA-438D-4CBAAA90DF05}"/>
+                <a16:creationId xmlns:a16="http://schemas.microsoft.com/office/drawing/2014/main" id="{EC51BCBB-162A-0886-94B2-962B8C7DE554}"/>
               </a:ext>
             </a:extLst>
           </p:cNvPr>
@@ -1185,7 +1185,7 @@
           <a:bodyPr/>
           <a:lstStyle/>
           <a:p>
-            <a:fld id="{386F1E28-DDCF-4041-96B9-03ECB5C6A0BE}" type="slidenum">
+            <a:fld id="{58387EF0-E4F7-4BEB-A513-8E75D1164EF9}" type="slidenum">
               <a:rPr lang="zh-CN" altLang="en-US" smtClean="0"/>
               <a:t>‹#›</a:t>
             </a:fld>
@@ -1196,7 +1196,7 @@
     </p:spTree>
     <p:extLst>
       <p:ext uri="{BB962C8B-B14F-4D97-AF65-F5344CB8AC3E}">
-        <p14:creationId xmlns:p14="http://schemas.microsoft.com/office/powerpoint/2010/main" val="3921029478"/>
+        <p14:creationId xmlns:p14="http://schemas.microsoft.com/office/powerpoint/2010/main" val="2646630851"/>
       </p:ext>
     </p:extLst>
   </p:cSld>
@@ -1228,7 +1228,7 @@
           <p:cNvPr id="2" name="标题 1">
             <a:extLst>
               <a:ext uri="{FF2B5EF4-FFF2-40B4-BE49-F238E27FC236}">
-                <a16:creationId xmlns:a16="http://schemas.microsoft.com/office/drawing/2014/main" id="{BDDF2151-4F84-90EF-6977-7AE795FED891}"/>
+                <a16:creationId xmlns:a16="http://schemas.microsoft.com/office/drawing/2014/main" id="{0A61123C-374A-EAD0-D489-9DA9E0CA9ABC}"/>
               </a:ext>
             </a:extLst>
           </p:cNvPr>
@@ -1256,7 +1256,7 @@
           <p:cNvPr id="3" name="内容占位符 2">
             <a:extLst>
               <a:ext uri="{FF2B5EF4-FFF2-40B4-BE49-F238E27FC236}">
-                <a16:creationId xmlns:a16="http://schemas.microsoft.com/office/drawing/2014/main" id="{2EFAA339-C6DD-A529-A26D-D6B27EC6F234}"/>
+                <a16:creationId xmlns:a16="http://schemas.microsoft.com/office/drawing/2014/main" id="{9B693697-F9DF-AAE6-95FF-904FCF01C0C9}"/>
               </a:ext>
             </a:extLst>
           </p:cNvPr>
@@ -1318,7 +1318,7 @@
           <p:cNvPr id="4" name="内容占位符 3">
             <a:extLst>
               <a:ext uri="{FF2B5EF4-FFF2-40B4-BE49-F238E27FC236}">
-                <a16:creationId xmlns:a16="http://schemas.microsoft.com/office/drawing/2014/main" id="{F984727F-248E-D753-77CE-BF69A10AD43A}"/>
+                <a16:creationId xmlns:a16="http://schemas.microsoft.com/office/drawing/2014/main" id="{7E65E54E-172E-3077-2BE8-D4AF3F1EAC65}"/>
               </a:ext>
             </a:extLst>
           </p:cNvPr>
@@ -1380,7 +1380,7 @@
           <p:cNvPr id="5" name="日期占位符 4">
             <a:extLst>
               <a:ext uri="{FF2B5EF4-FFF2-40B4-BE49-F238E27FC236}">
-                <a16:creationId xmlns:a16="http://schemas.microsoft.com/office/drawing/2014/main" id="{2535719E-D089-2268-A20B-7447BA59823B}"/>
+                <a16:creationId xmlns:a16="http://schemas.microsoft.com/office/drawing/2014/main" id="{DE221C47-41C4-896F-2DB8-FF56D05E8AF6}"/>
               </a:ext>
             </a:extLst>
           </p:cNvPr>
@@ -1396,7 +1396,7 @@
           <a:bodyPr/>
           <a:lstStyle/>
           <a:p>
-            <a:fld id="{89CFC95F-15C8-48EB-ABCE-704D6A47A2AD}" type="datetimeFigureOut">
+            <a:fld id="{49FCC876-BDC0-4790-883E-80E36E944462}" type="datetimeFigureOut">
               <a:rPr lang="zh-CN" altLang="en-US" smtClean="0"/>
               <a:t>2024/3/10</a:t>
             </a:fld>
@@ -1409,7 +1409,7 @@
           <p:cNvPr id="6" name="页脚占位符 5">
             <a:extLst>
               <a:ext uri="{FF2B5EF4-FFF2-40B4-BE49-F238E27FC236}">
-                <a16:creationId xmlns:a16="http://schemas.microsoft.com/office/drawing/2014/main" id="{D91E8AD4-E19E-D516-7D8A-A3106DD15AED}"/>
+                <a16:creationId xmlns:a16="http://schemas.microsoft.com/office/drawing/2014/main" id="{738E4D49-43CC-4F3D-9CAD-A8DFEA4F33B7}"/>
               </a:ext>
             </a:extLst>
           </p:cNvPr>
@@ -1434,7 +1434,7 @@
           <p:cNvPr id="7" name="灯片编号占位符 6">
             <a:extLst>
               <a:ext uri="{FF2B5EF4-FFF2-40B4-BE49-F238E27FC236}">
-                <a16:creationId xmlns:a16="http://schemas.microsoft.com/office/drawing/2014/main" id="{22A623D5-A389-AA3A-5588-8B2A36383ED6}"/>
+                <a16:creationId xmlns:a16="http://schemas.microsoft.com/office/drawing/2014/main" id="{AE6A99AD-E8BA-436C-40B6-6CA38F397D9B}"/>
               </a:ext>
             </a:extLst>
           </p:cNvPr>
@@ -1450,7 +1450,7 @@
           <a:bodyPr/>
           <a:lstStyle/>
           <a:p>
-            <a:fld id="{386F1E28-DDCF-4041-96B9-03ECB5C6A0BE}" type="slidenum">
+            <a:fld id="{58387EF0-E4F7-4BEB-A513-8E75D1164EF9}" type="slidenum">
               <a:rPr lang="zh-CN" altLang="en-US" smtClean="0"/>
               <a:t>‹#›</a:t>
             </a:fld>
@@ -1461,7 +1461,7 @@
     </p:spTree>
     <p:extLst>
       <p:ext uri="{BB962C8B-B14F-4D97-AF65-F5344CB8AC3E}">
-        <p14:creationId xmlns:p14="http://schemas.microsoft.com/office/powerpoint/2010/main" val="473304117"/>
+        <p14:creationId xmlns:p14="http://schemas.microsoft.com/office/powerpoint/2010/main" val="1140976816"/>
       </p:ext>
     </p:extLst>
   </p:cSld>
@@ -1493,7 +1493,7 @@
           <p:cNvPr id="2" name="标题 1">
             <a:extLst>
               <a:ext uri="{FF2B5EF4-FFF2-40B4-BE49-F238E27FC236}">
-                <a16:creationId xmlns:a16="http://schemas.microsoft.com/office/drawing/2014/main" id="{917C1BE4-3F53-3942-8B26-5B9E9C569188}"/>
+                <a16:creationId xmlns:a16="http://schemas.microsoft.com/office/drawing/2014/main" id="{F84B04EE-1048-2504-C711-29BE8B111D01}"/>
               </a:ext>
             </a:extLst>
           </p:cNvPr>
@@ -1526,7 +1526,7 @@
           <p:cNvPr id="3" name="文本占位符 2">
             <a:extLst>
               <a:ext uri="{FF2B5EF4-FFF2-40B4-BE49-F238E27FC236}">
-                <a16:creationId xmlns:a16="http://schemas.microsoft.com/office/drawing/2014/main" id="{5D5D16A1-4049-9235-0020-957B470F6DAE}"/>
+                <a16:creationId xmlns:a16="http://schemas.microsoft.com/office/drawing/2014/main" id="{980DD47C-DFFA-CFC0-BE99-9C7386B65496}"/>
               </a:ext>
             </a:extLst>
           </p:cNvPr>
@@ -1597,7 +1597,7 @@
           <p:cNvPr id="4" name="内容占位符 3">
             <a:extLst>
               <a:ext uri="{FF2B5EF4-FFF2-40B4-BE49-F238E27FC236}">
-                <a16:creationId xmlns:a16="http://schemas.microsoft.com/office/drawing/2014/main" id="{0FE68AAF-EDAD-0989-A736-C1FC326B9FB2}"/>
+                <a16:creationId xmlns:a16="http://schemas.microsoft.com/office/drawing/2014/main" id="{FF483BBB-7D80-E88D-7F97-11C36E7BCD12}"/>
               </a:ext>
             </a:extLst>
           </p:cNvPr>
@@ -1659,7 +1659,7 @@
           <p:cNvPr id="5" name="文本占位符 4">
             <a:extLst>
               <a:ext uri="{FF2B5EF4-FFF2-40B4-BE49-F238E27FC236}">
-                <a16:creationId xmlns:a16="http://schemas.microsoft.com/office/drawing/2014/main" id="{4285B784-BC53-76E9-FF7F-A405FB4BCE91}"/>
+                <a16:creationId xmlns:a16="http://schemas.microsoft.com/office/drawing/2014/main" id="{A2612298-53FB-D973-64AB-60967019A428}"/>
               </a:ext>
             </a:extLst>
           </p:cNvPr>
@@ -1730,7 +1730,7 @@
           <p:cNvPr id="6" name="内容占位符 5">
             <a:extLst>
               <a:ext uri="{FF2B5EF4-FFF2-40B4-BE49-F238E27FC236}">
-                <a16:creationId xmlns:a16="http://schemas.microsoft.com/office/drawing/2014/main" id="{1AC7DABA-A5DD-CF4B-BBD9-3DADBBE4C070}"/>
+                <a16:creationId xmlns:a16="http://schemas.microsoft.com/office/drawing/2014/main" id="{00EC27A2-DD21-E6A6-DD37-72530892B0C2}"/>
               </a:ext>
             </a:extLst>
           </p:cNvPr>
@@ -1792,7 +1792,7 @@
           <p:cNvPr id="7" name="日期占位符 6">
             <a:extLst>
               <a:ext uri="{FF2B5EF4-FFF2-40B4-BE49-F238E27FC236}">
-                <a16:creationId xmlns:a16="http://schemas.microsoft.com/office/drawing/2014/main" id="{E644E7D6-474B-CC3C-7249-C6B8F1D3DF84}"/>
+                <a16:creationId xmlns:a16="http://schemas.microsoft.com/office/drawing/2014/main" id="{B2D96C0A-98FA-16F6-5506-91FB6965596F}"/>
               </a:ext>
             </a:extLst>
           </p:cNvPr>
@@ -1808,7 +1808,7 @@
           <a:bodyPr/>
           <a:lstStyle/>
           <a:p>
-            <a:fld id="{89CFC95F-15C8-48EB-ABCE-704D6A47A2AD}" type="datetimeFigureOut">
+            <a:fld id="{49FCC876-BDC0-4790-883E-80E36E944462}" type="datetimeFigureOut">
               <a:rPr lang="zh-CN" altLang="en-US" smtClean="0"/>
               <a:t>2024/3/10</a:t>
             </a:fld>
@@ -1821,7 +1821,7 @@
           <p:cNvPr id="8" name="页脚占位符 7">
             <a:extLst>
               <a:ext uri="{FF2B5EF4-FFF2-40B4-BE49-F238E27FC236}">
-                <a16:creationId xmlns:a16="http://schemas.microsoft.com/office/drawing/2014/main" id="{AB4DFFB5-BF07-D37B-43DC-633D6D13EDEB}"/>
+                <a16:creationId xmlns:a16="http://schemas.microsoft.com/office/drawing/2014/main" id="{51A98606-D569-481E-05BA-79B28356FA8A}"/>
               </a:ext>
             </a:extLst>
           </p:cNvPr>
@@ -1846,7 +1846,7 @@
           <p:cNvPr id="9" name="灯片编号占位符 8">
             <a:extLst>
               <a:ext uri="{FF2B5EF4-FFF2-40B4-BE49-F238E27FC236}">
-                <a16:creationId xmlns:a16="http://schemas.microsoft.com/office/drawing/2014/main" id="{5AD56D55-3E9E-0915-9F55-479A28B55894}"/>
+                <a16:creationId xmlns:a16="http://schemas.microsoft.com/office/drawing/2014/main" id="{CD72A6AE-89F1-7179-3697-E9608D76CB77}"/>
               </a:ext>
             </a:extLst>
           </p:cNvPr>
@@ -1862,7 +1862,7 @@
           <a:bodyPr/>
           <a:lstStyle/>
           <a:p>
-            <a:fld id="{386F1E28-DDCF-4041-96B9-03ECB5C6A0BE}" type="slidenum">
+            <a:fld id="{58387EF0-E4F7-4BEB-A513-8E75D1164EF9}" type="slidenum">
               <a:rPr lang="zh-CN" altLang="en-US" smtClean="0"/>
               <a:t>‹#›</a:t>
             </a:fld>
@@ -1873,7 +1873,7 @@
     </p:spTree>
     <p:extLst>
       <p:ext uri="{BB962C8B-B14F-4D97-AF65-F5344CB8AC3E}">
-        <p14:creationId xmlns:p14="http://schemas.microsoft.com/office/powerpoint/2010/main" val="2800560187"/>
+        <p14:creationId xmlns:p14="http://schemas.microsoft.com/office/powerpoint/2010/main" val="889967077"/>
       </p:ext>
     </p:extLst>
   </p:cSld>
@@ -1905,7 +1905,7 @@
           <p:cNvPr id="2" name="标题 1">
             <a:extLst>
               <a:ext uri="{FF2B5EF4-FFF2-40B4-BE49-F238E27FC236}">
-                <a16:creationId xmlns:a16="http://schemas.microsoft.com/office/drawing/2014/main" id="{4A30DC8A-C8F5-16CE-4D5A-B786C5350F6A}"/>
+                <a16:creationId xmlns:a16="http://schemas.microsoft.com/office/drawing/2014/main" id="{D5FD61F8-E971-7DCA-8533-11BF293BB7D2}"/>
               </a:ext>
             </a:extLst>
           </p:cNvPr>
@@ -1933,7 +1933,7 @@
           <p:cNvPr id="3" name="日期占位符 2">
             <a:extLst>
               <a:ext uri="{FF2B5EF4-FFF2-40B4-BE49-F238E27FC236}">
-                <a16:creationId xmlns:a16="http://schemas.microsoft.com/office/drawing/2014/main" id="{117593A7-248A-7188-6136-FD977996F784}"/>
+                <a16:creationId xmlns:a16="http://schemas.microsoft.com/office/drawing/2014/main" id="{37176D3A-1E8F-74C1-1E6C-5144E2496ACA}"/>
               </a:ext>
             </a:extLst>
           </p:cNvPr>
@@ -1949,7 +1949,7 @@
           <a:bodyPr/>
           <a:lstStyle/>
           <a:p>
-            <a:fld id="{89CFC95F-15C8-48EB-ABCE-704D6A47A2AD}" type="datetimeFigureOut">
+            <a:fld id="{49FCC876-BDC0-4790-883E-80E36E944462}" type="datetimeFigureOut">
               <a:rPr lang="zh-CN" altLang="en-US" smtClean="0"/>
               <a:t>2024/3/10</a:t>
             </a:fld>
@@ -1962,7 +1962,7 @@
           <p:cNvPr id="4" name="页脚占位符 3">
             <a:extLst>
               <a:ext uri="{FF2B5EF4-FFF2-40B4-BE49-F238E27FC236}">
-                <a16:creationId xmlns:a16="http://schemas.microsoft.com/office/drawing/2014/main" id="{F9DACA3A-E53F-79C5-4E79-3F61CF869C30}"/>
+                <a16:creationId xmlns:a16="http://schemas.microsoft.com/office/drawing/2014/main" id="{C4ECFBEB-98A6-48A8-053A-44190576DC68}"/>
               </a:ext>
             </a:extLst>
           </p:cNvPr>
@@ -1987,7 +1987,7 @@
           <p:cNvPr id="5" name="灯片编号占位符 4">
             <a:extLst>
               <a:ext uri="{FF2B5EF4-FFF2-40B4-BE49-F238E27FC236}">
-                <a16:creationId xmlns:a16="http://schemas.microsoft.com/office/drawing/2014/main" id="{41C2D805-39EF-0A4A-3E5F-B3939BBEB29A}"/>
+                <a16:creationId xmlns:a16="http://schemas.microsoft.com/office/drawing/2014/main" id="{FAD2B73A-E590-0B97-9825-2CB374C0DDDB}"/>
               </a:ext>
             </a:extLst>
           </p:cNvPr>
@@ -2003,7 +2003,7 @@
           <a:bodyPr/>
           <a:lstStyle/>
           <a:p>
-            <a:fld id="{386F1E28-DDCF-4041-96B9-03ECB5C6A0BE}" type="slidenum">
+            <a:fld id="{58387EF0-E4F7-4BEB-A513-8E75D1164EF9}" type="slidenum">
               <a:rPr lang="zh-CN" altLang="en-US" smtClean="0"/>
               <a:t>‹#›</a:t>
             </a:fld>
@@ -2014,7 +2014,7 @@
     </p:spTree>
     <p:extLst>
       <p:ext uri="{BB962C8B-B14F-4D97-AF65-F5344CB8AC3E}">
-        <p14:creationId xmlns:p14="http://schemas.microsoft.com/office/powerpoint/2010/main" val="268687758"/>
+        <p14:creationId xmlns:p14="http://schemas.microsoft.com/office/powerpoint/2010/main" val="1414952361"/>
       </p:ext>
     </p:extLst>
   </p:cSld>
@@ -2046,7 +2046,7 @@
           <p:cNvPr id="2" name="日期占位符 1">
             <a:extLst>
               <a:ext uri="{FF2B5EF4-FFF2-40B4-BE49-F238E27FC236}">
-                <a16:creationId xmlns:a16="http://schemas.microsoft.com/office/drawing/2014/main" id="{43F46E68-B495-70A4-D93E-24830B63C8D7}"/>
+                <a16:creationId xmlns:a16="http://schemas.microsoft.com/office/drawing/2014/main" id="{32C3019D-022E-EBD9-0557-7C794278343F}"/>
               </a:ext>
             </a:extLst>
           </p:cNvPr>
@@ -2062,7 +2062,7 @@
           <a:bodyPr/>
           <a:lstStyle/>
           <a:p>
-            <a:fld id="{89CFC95F-15C8-48EB-ABCE-704D6A47A2AD}" type="datetimeFigureOut">
+            <a:fld id="{49FCC876-BDC0-4790-883E-80E36E944462}" type="datetimeFigureOut">
               <a:rPr lang="zh-CN" altLang="en-US" smtClean="0"/>
               <a:t>2024/3/10</a:t>
             </a:fld>
@@ -2075,7 +2075,7 @@
           <p:cNvPr id="3" name="页脚占位符 2">
             <a:extLst>
               <a:ext uri="{FF2B5EF4-FFF2-40B4-BE49-F238E27FC236}">
-                <a16:creationId xmlns:a16="http://schemas.microsoft.com/office/drawing/2014/main" id="{C46063B2-0CCF-A782-8A8E-71C213B87A24}"/>
+                <a16:creationId xmlns:a16="http://schemas.microsoft.com/office/drawing/2014/main" id="{3C142F8F-8121-BAC7-BA19-4D14FD182123}"/>
               </a:ext>
             </a:extLst>
           </p:cNvPr>
@@ -2100,7 +2100,7 @@
           <p:cNvPr id="4" name="灯片编号占位符 3">
             <a:extLst>
               <a:ext uri="{FF2B5EF4-FFF2-40B4-BE49-F238E27FC236}">
-                <a16:creationId xmlns:a16="http://schemas.microsoft.com/office/drawing/2014/main" id="{F597721C-8ABC-DC5E-FCDD-3299C0ADFF0C}"/>
+                <a16:creationId xmlns:a16="http://schemas.microsoft.com/office/drawing/2014/main" id="{F994CE70-6969-F48F-FE7D-979E781B471F}"/>
               </a:ext>
             </a:extLst>
           </p:cNvPr>
@@ -2116,7 +2116,7 @@
           <a:bodyPr/>
           <a:lstStyle/>
           <a:p>
-            <a:fld id="{386F1E28-DDCF-4041-96B9-03ECB5C6A0BE}" type="slidenum">
+            <a:fld id="{58387EF0-E4F7-4BEB-A513-8E75D1164EF9}" type="slidenum">
               <a:rPr lang="zh-CN" altLang="en-US" smtClean="0"/>
               <a:t>‹#›</a:t>
             </a:fld>
@@ -2127,7 +2127,7 @@
     </p:spTree>
     <p:extLst>
       <p:ext uri="{BB962C8B-B14F-4D97-AF65-F5344CB8AC3E}">
-        <p14:creationId xmlns:p14="http://schemas.microsoft.com/office/powerpoint/2010/main" val="1735679789"/>
+        <p14:creationId xmlns:p14="http://schemas.microsoft.com/office/powerpoint/2010/main" val="1818579952"/>
       </p:ext>
     </p:extLst>
   </p:cSld>
@@ -2159,7 +2159,7 @@
           <p:cNvPr id="2" name="标题 1">
             <a:extLst>
               <a:ext uri="{FF2B5EF4-FFF2-40B4-BE49-F238E27FC236}">
-                <a16:creationId xmlns:a16="http://schemas.microsoft.com/office/drawing/2014/main" id="{7A111E1B-4115-8743-FA04-197EA2BC8723}"/>
+                <a16:creationId xmlns:a16="http://schemas.microsoft.com/office/drawing/2014/main" id="{1BB2914E-F53E-7551-E6D6-6832B24C72F6}"/>
               </a:ext>
             </a:extLst>
           </p:cNvPr>
@@ -2196,7 +2196,7 @@
           <p:cNvPr id="3" name="内容占位符 2">
             <a:extLst>
               <a:ext uri="{FF2B5EF4-FFF2-40B4-BE49-F238E27FC236}">
-                <a16:creationId xmlns:a16="http://schemas.microsoft.com/office/drawing/2014/main" id="{EEDFB57B-85CC-384E-BD3C-D991623BDAD9}"/>
+                <a16:creationId xmlns:a16="http://schemas.microsoft.com/office/drawing/2014/main" id="{B9CB37D1-AAB9-04F9-F28C-81977574E59D}"/>
               </a:ext>
             </a:extLst>
           </p:cNvPr>
@@ -2286,7 +2286,7 @@
           <p:cNvPr id="4" name="文本占位符 3">
             <a:extLst>
               <a:ext uri="{FF2B5EF4-FFF2-40B4-BE49-F238E27FC236}">
-                <a16:creationId xmlns:a16="http://schemas.microsoft.com/office/drawing/2014/main" id="{FC1445FD-DE8E-1C35-2F3F-F7A41B090F4D}"/>
+                <a16:creationId xmlns:a16="http://schemas.microsoft.com/office/drawing/2014/main" id="{D24CB6A5-F65B-4B22-8F53-7B186E7952F8}"/>
               </a:ext>
             </a:extLst>
           </p:cNvPr>
@@ -2357,7 +2357,7 @@
           <p:cNvPr id="5" name="日期占位符 4">
             <a:extLst>
               <a:ext uri="{FF2B5EF4-FFF2-40B4-BE49-F238E27FC236}">
-                <a16:creationId xmlns:a16="http://schemas.microsoft.com/office/drawing/2014/main" id="{5FE9C2F7-6031-05D1-A2A1-094D1AE61BF0}"/>
+                <a16:creationId xmlns:a16="http://schemas.microsoft.com/office/drawing/2014/main" id="{6D4471B2-D29C-4927-0D5E-F3178251E0C6}"/>
               </a:ext>
             </a:extLst>
           </p:cNvPr>
@@ -2373,7 +2373,7 @@
           <a:bodyPr/>
           <a:lstStyle/>
           <a:p>
-            <a:fld id="{89CFC95F-15C8-48EB-ABCE-704D6A47A2AD}" type="datetimeFigureOut">
+            <a:fld id="{49FCC876-BDC0-4790-883E-80E36E944462}" type="datetimeFigureOut">
               <a:rPr lang="zh-CN" altLang="en-US" smtClean="0"/>
               <a:t>2024/3/10</a:t>
             </a:fld>
@@ -2386,7 +2386,7 @@
           <p:cNvPr id="6" name="页脚占位符 5">
             <a:extLst>
               <a:ext uri="{FF2B5EF4-FFF2-40B4-BE49-F238E27FC236}">
-                <a16:creationId xmlns:a16="http://schemas.microsoft.com/office/drawing/2014/main" id="{953CB590-F5EA-6427-CF88-9F88CCC8B44E}"/>
+                <a16:creationId xmlns:a16="http://schemas.microsoft.com/office/drawing/2014/main" id="{F3039687-A15B-B12B-DE41-7E979AFDFF67}"/>
               </a:ext>
             </a:extLst>
           </p:cNvPr>
@@ -2411,7 +2411,7 @@
           <p:cNvPr id="7" name="灯片编号占位符 6">
             <a:extLst>
               <a:ext uri="{FF2B5EF4-FFF2-40B4-BE49-F238E27FC236}">
-                <a16:creationId xmlns:a16="http://schemas.microsoft.com/office/drawing/2014/main" id="{F2D7EF1A-37BC-AFFD-C6D0-6A47E2A55FCC}"/>
+                <a16:creationId xmlns:a16="http://schemas.microsoft.com/office/drawing/2014/main" id="{21C372B8-F009-0865-EBDA-319A8F28A774}"/>
               </a:ext>
             </a:extLst>
           </p:cNvPr>
@@ -2427,7 +2427,7 @@
           <a:bodyPr/>
           <a:lstStyle/>
           <a:p>
-            <a:fld id="{386F1E28-DDCF-4041-96B9-03ECB5C6A0BE}" type="slidenum">
+            <a:fld id="{58387EF0-E4F7-4BEB-A513-8E75D1164EF9}" type="slidenum">
               <a:rPr lang="zh-CN" altLang="en-US" smtClean="0"/>
               <a:t>‹#›</a:t>
             </a:fld>
@@ -2438,7 +2438,7 @@
     </p:spTree>
     <p:extLst>
       <p:ext uri="{BB962C8B-B14F-4D97-AF65-F5344CB8AC3E}">
-        <p14:creationId xmlns:p14="http://schemas.microsoft.com/office/powerpoint/2010/main" val="3778728518"/>
+        <p14:creationId xmlns:p14="http://schemas.microsoft.com/office/powerpoint/2010/main" val="3346161033"/>
       </p:ext>
     </p:extLst>
   </p:cSld>
@@ -2470,7 +2470,7 @@
           <p:cNvPr id="2" name="标题 1">
             <a:extLst>
               <a:ext uri="{FF2B5EF4-FFF2-40B4-BE49-F238E27FC236}">
-                <a16:creationId xmlns:a16="http://schemas.microsoft.com/office/drawing/2014/main" id="{EC8A270A-9369-DD09-9AC6-C4D3EA1CA830}"/>
+                <a16:creationId xmlns:a16="http://schemas.microsoft.com/office/drawing/2014/main" id="{E6A635D8-FE06-6D0A-8151-964087FEB74E}"/>
               </a:ext>
             </a:extLst>
           </p:cNvPr>
@@ -2507,7 +2507,7 @@
           <p:cNvPr id="3" name="图片占位符 2">
             <a:extLst>
               <a:ext uri="{FF2B5EF4-FFF2-40B4-BE49-F238E27FC236}">
-                <a16:creationId xmlns:a16="http://schemas.microsoft.com/office/drawing/2014/main" id="{C26AFE76-6C4B-E30E-B3FB-60BC8EFF4E02}"/>
+                <a16:creationId xmlns:a16="http://schemas.microsoft.com/office/drawing/2014/main" id="{DD36E0CD-F237-BEBD-2942-293E81BF5A4A}"/>
               </a:ext>
             </a:extLst>
           </p:cNvPr>
@@ -2574,7 +2574,7 @@
           <p:cNvPr id="4" name="文本占位符 3">
             <a:extLst>
               <a:ext uri="{FF2B5EF4-FFF2-40B4-BE49-F238E27FC236}">
-                <a16:creationId xmlns:a16="http://schemas.microsoft.com/office/drawing/2014/main" id="{5947C890-8556-7601-5458-EE5B92CD0AD3}"/>
+                <a16:creationId xmlns:a16="http://schemas.microsoft.com/office/drawing/2014/main" id="{6DC02049-B299-B140-2023-6355712E3891}"/>
               </a:ext>
             </a:extLst>
           </p:cNvPr>
@@ -2645,7 +2645,7 @@
           <p:cNvPr id="5" name="日期占位符 4">
             <a:extLst>
               <a:ext uri="{FF2B5EF4-FFF2-40B4-BE49-F238E27FC236}">
-                <a16:creationId xmlns:a16="http://schemas.microsoft.com/office/drawing/2014/main" id="{4579C7C5-E00B-20EF-B55C-1E202E16D5B6}"/>
+                <a16:creationId xmlns:a16="http://schemas.microsoft.com/office/drawing/2014/main" id="{1F38C09A-61E9-BF2E-0981-B2E1D261C623}"/>
               </a:ext>
             </a:extLst>
           </p:cNvPr>
@@ -2661,7 +2661,7 @@
           <a:bodyPr/>
           <a:lstStyle/>
           <a:p>
-            <a:fld id="{89CFC95F-15C8-48EB-ABCE-704D6A47A2AD}" type="datetimeFigureOut">
+            <a:fld id="{49FCC876-BDC0-4790-883E-80E36E944462}" type="datetimeFigureOut">
               <a:rPr lang="zh-CN" altLang="en-US" smtClean="0"/>
               <a:t>2024/3/10</a:t>
             </a:fld>
@@ -2674,7 +2674,7 @@
           <p:cNvPr id="6" name="页脚占位符 5">
             <a:extLst>
               <a:ext uri="{FF2B5EF4-FFF2-40B4-BE49-F238E27FC236}">
-                <a16:creationId xmlns:a16="http://schemas.microsoft.com/office/drawing/2014/main" id="{ACC88CD9-37C3-C130-77B8-AB45F5028DE0}"/>
+                <a16:creationId xmlns:a16="http://schemas.microsoft.com/office/drawing/2014/main" id="{2F6DF7BF-2864-251C-97B7-3EBC2DB157B5}"/>
               </a:ext>
             </a:extLst>
           </p:cNvPr>
@@ -2699,7 +2699,7 @@
           <p:cNvPr id="7" name="灯片编号占位符 6">
             <a:extLst>
               <a:ext uri="{FF2B5EF4-FFF2-40B4-BE49-F238E27FC236}">
-                <a16:creationId xmlns:a16="http://schemas.microsoft.com/office/drawing/2014/main" id="{C27F00B4-449A-E259-D7B8-3C7E637C97BA}"/>
+                <a16:creationId xmlns:a16="http://schemas.microsoft.com/office/drawing/2014/main" id="{0BCCC79A-47DB-C439-FC82-CC2110A2DB96}"/>
               </a:ext>
             </a:extLst>
           </p:cNvPr>
@@ -2715,7 +2715,7 @@
           <a:bodyPr/>
           <a:lstStyle/>
           <a:p>
-            <a:fld id="{386F1E28-DDCF-4041-96B9-03ECB5C6A0BE}" type="slidenum">
+            <a:fld id="{58387EF0-E4F7-4BEB-A513-8E75D1164EF9}" type="slidenum">
               <a:rPr lang="zh-CN" altLang="en-US" smtClean="0"/>
               <a:t>‹#›</a:t>
             </a:fld>
@@ -2726,7 +2726,7 @@
     </p:spTree>
     <p:extLst>
       <p:ext uri="{BB962C8B-B14F-4D97-AF65-F5344CB8AC3E}">
-        <p14:creationId xmlns:p14="http://schemas.microsoft.com/office/powerpoint/2010/main" val="2755295723"/>
+        <p14:creationId xmlns:p14="http://schemas.microsoft.com/office/powerpoint/2010/main" val="3535054034"/>
       </p:ext>
     </p:extLst>
   </p:cSld>
@@ -2763,7 +2763,7 @@
           <p:cNvPr id="2" name="标题占位符 1">
             <a:extLst>
               <a:ext uri="{FF2B5EF4-FFF2-40B4-BE49-F238E27FC236}">
-                <a16:creationId xmlns:a16="http://schemas.microsoft.com/office/drawing/2014/main" id="{FEE00DFB-C74B-9907-E296-AF9961F5A960}"/>
+                <a16:creationId xmlns:a16="http://schemas.microsoft.com/office/drawing/2014/main" id="{76ED85D5-C803-4B9C-FD71-2ECC3F23C82B}"/>
               </a:ext>
             </a:extLst>
           </p:cNvPr>
@@ -2801,7 +2801,7 @@
           <p:cNvPr id="3" name="文本占位符 2">
             <a:extLst>
               <a:ext uri="{FF2B5EF4-FFF2-40B4-BE49-F238E27FC236}">
-                <a16:creationId xmlns:a16="http://schemas.microsoft.com/office/drawing/2014/main" id="{E3E57AF5-0A88-423E-6DBD-FFD8FE328906}"/>
+                <a16:creationId xmlns:a16="http://schemas.microsoft.com/office/drawing/2014/main" id="{3F1EA68F-AB66-B87D-CCCB-2A656B7E430E}"/>
               </a:ext>
             </a:extLst>
           </p:cNvPr>
@@ -2868,7 +2868,7 @@
           <p:cNvPr id="4" name="日期占位符 3">
             <a:extLst>
               <a:ext uri="{FF2B5EF4-FFF2-40B4-BE49-F238E27FC236}">
-                <a16:creationId xmlns:a16="http://schemas.microsoft.com/office/drawing/2014/main" id="{DE9CDAB0-E27E-DC63-7CD6-AD1D444CF3FA}"/>
+                <a16:creationId xmlns:a16="http://schemas.microsoft.com/office/drawing/2014/main" id="{0531FC0B-69A9-F233-2E66-25413B3FEEB3}"/>
               </a:ext>
             </a:extLst>
           </p:cNvPr>
@@ -2902,7 +2902,7 @@
             </a:lvl1pPr>
           </a:lstStyle>
           <a:p>
-            <a:fld id="{89CFC95F-15C8-48EB-ABCE-704D6A47A2AD}" type="datetimeFigureOut">
+            <a:fld id="{49FCC876-BDC0-4790-883E-80E36E944462}" type="datetimeFigureOut">
               <a:rPr lang="zh-CN" altLang="en-US" smtClean="0"/>
               <a:t>2024/3/10</a:t>
             </a:fld>
@@ -2915,7 +2915,7 @@
           <p:cNvPr id="5" name="页脚占位符 4">
             <a:extLst>
               <a:ext uri="{FF2B5EF4-FFF2-40B4-BE49-F238E27FC236}">
-                <a16:creationId xmlns:a16="http://schemas.microsoft.com/office/drawing/2014/main" id="{2A5E611D-CB20-F5AD-5BDB-95012C21D0F4}"/>
+                <a16:creationId xmlns:a16="http://schemas.microsoft.com/office/drawing/2014/main" id="{A414DFBE-0959-F847-F927-7D01010CAC13}"/>
               </a:ext>
             </a:extLst>
           </p:cNvPr>
@@ -2958,7 +2958,7 @@
           <p:cNvPr id="6" name="灯片编号占位符 5">
             <a:extLst>
               <a:ext uri="{FF2B5EF4-FFF2-40B4-BE49-F238E27FC236}">
-                <a16:creationId xmlns:a16="http://schemas.microsoft.com/office/drawing/2014/main" id="{E167C914-C362-86D0-F62A-AF87A66A0CA1}"/>
+                <a16:creationId xmlns:a16="http://schemas.microsoft.com/office/drawing/2014/main" id="{2E3A857A-AE18-3894-A2BC-4C52A1170FF4}"/>
               </a:ext>
             </a:extLst>
           </p:cNvPr>
@@ -2992,7 +2992,7 @@
             </a:lvl1pPr>
           </a:lstStyle>
           <a:p>
-            <a:fld id="{386F1E28-DDCF-4041-96B9-03ECB5C6A0BE}" type="slidenum">
+            <a:fld id="{58387EF0-E4F7-4BEB-A513-8E75D1164EF9}" type="slidenum">
               <a:rPr lang="zh-CN" altLang="en-US" smtClean="0"/>
               <a:t>‹#›</a:t>
             </a:fld>
@@ -3003,7 +3003,7 @@
     </p:spTree>
     <p:extLst>
       <p:ext uri="{BB962C8B-B14F-4D97-AF65-F5344CB8AC3E}">
-        <p14:creationId xmlns:p14="http://schemas.microsoft.com/office/powerpoint/2010/main" val="1552990116"/>
+        <p14:creationId xmlns:p14="http://schemas.microsoft.com/office/powerpoint/2010/main" val="211269021"/>
       </p:ext>
     </p:extLst>
   </p:cSld>
